--- a/Asmaproject.ppt.pptx
+++ b/Asmaproject.ppt.pptx
@@ -10,11 +10,14 @@
     <p:sldId id="259" r:id="rId4"/>
     <p:sldId id="260" r:id="rId5"/>
     <p:sldId id="261" r:id="rId6"/>
-    <p:sldId id="262" r:id="rId7"/>
-    <p:sldId id="263" r:id="rId8"/>
-    <p:sldId id="264" r:id="rId9"/>
-    <p:sldId id="265" r:id="rId10"/>
-    <p:sldId id="266" r:id="rId11"/>
+    <p:sldId id="267" r:id="rId7"/>
+    <p:sldId id="268" r:id="rId8"/>
+    <p:sldId id="262" r:id="rId9"/>
+    <p:sldId id="263" r:id="rId10"/>
+    <p:sldId id="264" r:id="rId11"/>
+    <p:sldId id="265" r:id="rId12"/>
+    <p:sldId id="266" r:id="rId13"/>
+    <p:sldId id="269" r:id="rId14"/>
   </p:sldIdLst>
   <p:sldSz cx="12192000" cy="6858000"/>
   <p:notesSz cx="6858000" cy="9144000"/>
@@ -843,7 +846,7 @@
           <a:p>
             <a:fld id="{A2AE1C4A-8EC0-418F-AEAD-83D415663C13}" type="datetimeFigureOut">
               <a:rPr lang="en-US" smtClean="0"/>
-              <a:t>6/12/2024</a:t>
+              <a:t>6/13/2024</a:t>
             </a:fld>
             <a:endParaRPr lang="en-US"/>
           </a:p>
@@ -1106,7 +1109,7 @@
           <a:p>
             <a:fld id="{A2AE1C4A-8EC0-418F-AEAD-83D415663C13}" type="datetimeFigureOut">
               <a:rPr lang="en-US" smtClean="0"/>
-              <a:t>6/12/2024</a:t>
+              <a:t>6/13/2024</a:t>
             </a:fld>
             <a:endParaRPr lang="en-US"/>
           </a:p>
@@ -1432,7 +1435,7 @@
           <a:p>
             <a:fld id="{A2AE1C4A-8EC0-418F-AEAD-83D415663C13}" type="datetimeFigureOut">
               <a:rPr lang="en-US" smtClean="0"/>
-              <a:t>6/12/2024</a:t>
+              <a:t>6/13/2024</a:t>
             </a:fld>
             <a:endParaRPr lang="en-US"/>
           </a:p>
@@ -1785,7 +1788,7 @@
           <a:p>
             <a:fld id="{A2AE1C4A-8EC0-418F-AEAD-83D415663C13}" type="datetimeFigureOut">
               <a:rPr lang="en-US" smtClean="0"/>
-              <a:t>6/12/2024</a:t>
+              <a:t>6/13/2024</a:t>
             </a:fld>
             <a:endParaRPr lang="en-US"/>
           </a:p>
@@ -2111,7 +2114,7 @@
           <a:p>
             <a:fld id="{A2AE1C4A-8EC0-418F-AEAD-83D415663C13}" type="datetimeFigureOut">
               <a:rPr lang="en-US" smtClean="0"/>
-              <a:t>6/12/2024</a:t>
+              <a:t>6/13/2024</a:t>
             </a:fld>
             <a:endParaRPr lang="en-US"/>
           </a:p>
@@ -2516,7 +2519,7 @@
           <a:p>
             <a:fld id="{A2AE1C4A-8EC0-418F-AEAD-83D415663C13}" type="datetimeFigureOut">
               <a:rPr lang="en-US" smtClean="0"/>
-              <a:t>6/12/2024</a:t>
+              <a:t>6/13/2024</a:t>
             </a:fld>
             <a:endParaRPr lang="en-US"/>
           </a:p>
@@ -2698,7 +2701,7 @@
           <a:p>
             <a:fld id="{A2AE1C4A-8EC0-418F-AEAD-83D415663C13}" type="datetimeFigureOut">
               <a:rPr lang="en-US" smtClean="0"/>
-              <a:t>6/12/2024</a:t>
+              <a:t>6/13/2024</a:t>
             </a:fld>
             <a:endParaRPr lang="en-US"/>
           </a:p>
@@ -2890,7 +2893,7 @@
           <a:p>
             <a:fld id="{A2AE1C4A-8EC0-418F-AEAD-83D415663C13}" type="datetimeFigureOut">
               <a:rPr lang="en-US" smtClean="0"/>
-              <a:t>6/12/2024</a:t>
+              <a:t>6/13/2024</a:t>
             </a:fld>
             <a:endParaRPr lang="en-US"/>
           </a:p>
@@ -3078,7 +3081,7 @@
           <a:p>
             <a:fld id="{A2AE1C4A-8EC0-418F-AEAD-83D415663C13}" type="datetimeFigureOut">
               <a:rPr lang="en-US" smtClean="0"/>
-              <a:t>6/12/2024</a:t>
+              <a:t>6/13/2024</a:t>
             </a:fld>
             <a:endParaRPr lang="en-US"/>
           </a:p>
@@ -3337,7 +3340,7 @@
           <a:p>
             <a:fld id="{A2AE1C4A-8EC0-418F-AEAD-83D415663C13}" type="datetimeFigureOut">
               <a:rPr lang="en-US" smtClean="0"/>
-              <a:t>6/12/2024</a:t>
+              <a:t>6/13/2024</a:t>
             </a:fld>
             <a:endParaRPr lang="en-US"/>
           </a:p>
@@ -3581,7 +3584,7 @@
           <a:p>
             <a:fld id="{A2AE1C4A-8EC0-418F-AEAD-83D415663C13}" type="datetimeFigureOut">
               <a:rPr lang="en-US" smtClean="0"/>
-              <a:t>6/12/2024</a:t>
+              <a:t>6/13/2024</a:t>
             </a:fld>
             <a:endParaRPr lang="en-US"/>
           </a:p>
@@ -3967,7 +3970,7 @@
           <a:p>
             <a:fld id="{A2AE1C4A-8EC0-418F-AEAD-83D415663C13}" type="datetimeFigureOut">
               <a:rPr lang="en-US" smtClean="0"/>
-              <a:t>6/12/2024</a:t>
+              <a:t>6/13/2024</a:t>
             </a:fld>
             <a:endParaRPr lang="en-US"/>
           </a:p>
@@ -4102,7 +4105,7 @@
           <a:p>
             <a:fld id="{A2AE1C4A-8EC0-418F-AEAD-83D415663C13}" type="datetimeFigureOut">
               <a:rPr lang="en-US" smtClean="0"/>
-              <a:t>6/12/2024</a:t>
+              <a:t>6/13/2024</a:t>
             </a:fld>
             <a:endParaRPr lang="en-US"/>
           </a:p>
@@ -4209,7 +4212,7 @@
           <a:p>
             <a:fld id="{A2AE1C4A-8EC0-418F-AEAD-83D415663C13}" type="datetimeFigureOut">
               <a:rPr lang="en-US" smtClean="0"/>
-              <a:t>6/12/2024</a:t>
+              <a:t>6/13/2024</a:t>
             </a:fld>
             <a:endParaRPr lang="en-US"/>
           </a:p>
@@ -4476,7 +4479,7 @@
           <a:p>
             <a:fld id="{A2AE1C4A-8EC0-418F-AEAD-83D415663C13}" type="datetimeFigureOut">
               <a:rPr lang="en-US" smtClean="0"/>
-              <a:t>6/12/2024</a:t>
+              <a:t>6/13/2024</a:t>
             </a:fld>
             <a:endParaRPr lang="en-US"/>
           </a:p>
@@ -4751,7 +4754,7 @@
           <a:p>
             <a:fld id="{A2AE1C4A-8EC0-418F-AEAD-83D415663C13}" type="datetimeFigureOut">
               <a:rPr lang="en-US" smtClean="0"/>
-              <a:t>6/12/2024</a:t>
+              <a:t>6/13/2024</a:t>
             </a:fld>
             <a:endParaRPr lang="en-US"/>
           </a:p>
@@ -5506,7 +5509,7 @@
           <a:p>
             <a:fld id="{A2AE1C4A-8EC0-418F-AEAD-83D415663C13}" type="datetimeFigureOut">
               <a:rPr lang="en-US" smtClean="0"/>
-              <a:t>6/12/2024</a:t>
+              <a:t>6/13/2024</a:t>
             </a:fld>
             <a:endParaRPr lang="en-US"/>
           </a:p>
@@ -6159,6 +6162,300 @@
       </p:grpSpPr>
       <p:sp>
         <p:nvSpPr>
+          <p:cNvPr id="2" name="TextBox 1">
+            <a:extLst>
+              <a:ext uri="{FF2B5EF4-FFF2-40B4-BE49-F238E27FC236}">
+                <a16:creationId xmlns:a16="http://schemas.microsoft.com/office/drawing/2014/main" id="{FE7C49B9-42F9-4043-B818-9F37AEBF5D81}"/>
+              </a:ext>
+            </a:extLst>
+          </p:cNvPr>
+          <p:cNvSpPr txBox="1"/>
+          <p:nvPr/>
+        </p:nvSpPr>
+        <p:spPr>
+          <a:xfrm>
+            <a:off x="556591" y="437322"/>
+            <a:ext cx="4837043" cy="584775"/>
+          </a:xfrm>
+          <a:prstGeom prst="rect">
+            <a:avLst/>
+          </a:prstGeom>
+          <a:noFill/>
+        </p:spPr>
+        <p:txBody>
+          <a:bodyPr wrap="square" rtlCol="0">
+            <a:spAutoFit/>
+          </a:bodyPr>
+          <a:lstStyle/>
+          <a:p>
+            <a:r>
+              <a:rPr lang="en-US" sz="3200" dirty="0"/>
+              <a:t>The wow in your solution</a:t>
+            </a:r>
+          </a:p>
+        </p:txBody>
+      </p:sp>
+      <p:pic>
+        <p:nvPicPr>
+          <p:cNvPr id="4" name="Picture 3">
+            <a:extLst>
+              <a:ext uri="{FF2B5EF4-FFF2-40B4-BE49-F238E27FC236}">
+                <a16:creationId xmlns:a16="http://schemas.microsoft.com/office/drawing/2014/main" id="{182842EF-906B-423A-915B-2244E368E44E}"/>
+              </a:ext>
+            </a:extLst>
+          </p:cNvPr>
+          <p:cNvPicPr>
+            <a:picLocks noChangeAspect="1"/>
+          </p:cNvPicPr>
+          <p:nvPr/>
+        </p:nvPicPr>
+        <p:blipFill>
+          <a:blip r:embed="rId2">
+            <a:extLst>
+              <a:ext uri="{28A0092B-C50C-407E-A947-70E740481C1C}">
+                <a14:useLocalDpi xmlns:a14="http://schemas.microsoft.com/office/drawing/2010/main" val="0"/>
+              </a:ext>
+            </a:extLst>
+          </a:blip>
+          <a:stretch>
+            <a:fillRect/>
+          </a:stretch>
+        </p:blipFill>
+        <p:spPr>
+          <a:xfrm>
+            <a:off x="5128592" y="1452562"/>
+            <a:ext cx="4486896" cy="3092934"/>
+          </a:xfrm>
+          <a:prstGeom prst="rect">
+            <a:avLst/>
+          </a:prstGeom>
+        </p:spPr>
+      </p:pic>
+      <p:sp>
+        <p:nvSpPr>
+          <p:cNvPr id="5" name="Rectangle 4">
+            <a:extLst>
+              <a:ext uri="{FF2B5EF4-FFF2-40B4-BE49-F238E27FC236}">
+                <a16:creationId xmlns:a16="http://schemas.microsoft.com/office/drawing/2014/main" id="{E0F64F6E-0EDC-4763-9F8D-E7961EFD0527}"/>
+              </a:ext>
+            </a:extLst>
+          </p:cNvPr>
+          <p:cNvSpPr/>
+          <p:nvPr/>
+        </p:nvSpPr>
+        <p:spPr>
+          <a:xfrm>
+            <a:off x="556591" y="1452562"/>
+            <a:ext cx="4174435" cy="3970318"/>
+          </a:xfrm>
+          <a:prstGeom prst="rect">
+            <a:avLst/>
+          </a:prstGeom>
+        </p:spPr>
+        <p:txBody>
+          <a:bodyPr wrap="square">
+            <a:spAutoFit/>
+          </a:bodyPr>
+          <a:lstStyle/>
+          <a:p>
+            <a:r>
+              <a:rPr lang="en-US" dirty="0"/>
+              <a:t>Security Monitoring: Detecting unauthorized access or malicious activities by logging keystrokes and identifying unusual patterns .</a:t>
+            </a:r>
+          </a:p>
+          <a:p>
+            <a:r>
+              <a:rPr lang="en-US" dirty="0"/>
+              <a:t> Forensic Analysis: Providing valuable evidence in forensic investigations by recording user actions and communications .</a:t>
+            </a:r>
+          </a:p>
+          <a:p>
+            <a:r>
+              <a:rPr lang="en-US" dirty="0"/>
+              <a:t> Parental Control: Monitoring children's online activities to ensure their safety and well-being .</a:t>
+            </a:r>
+          </a:p>
+          <a:p>
+            <a:r>
+              <a:rPr lang="en-US" dirty="0"/>
+              <a:t> Employee Monitoring: Tracking employee productivity and adherence to company policies.</a:t>
+            </a:r>
+          </a:p>
+        </p:txBody>
+      </p:sp>
+    </p:spTree>
+    <p:extLst>
+      <p:ext uri="{BB962C8B-B14F-4D97-AF65-F5344CB8AC3E}">
+        <p14:creationId xmlns:p14="http://schemas.microsoft.com/office/powerpoint/2010/main" val="870509861"/>
+      </p:ext>
+    </p:extLst>
+  </p:cSld>
+  <p:clrMapOvr>
+    <a:masterClrMapping/>
+  </p:clrMapOvr>
+  <mc:AlternateContent xmlns:mc="http://schemas.openxmlformats.org/markup-compatibility/2006" xmlns:p159="http://schemas.microsoft.com/office/powerpoint/2015/09/main">
+    <mc:Choice Requires="p159">
+      <p:transition xmlns:p14="http://schemas.microsoft.com/office/powerpoint/2010/main" spd="slow" p14:dur="2000">
+        <p159:morph option="byObject"/>
+      </p:transition>
+    </mc:Choice>
+    <mc:Fallback xmlns="">
+      <p:transition spd="slow">
+        <p:fade/>
+      </p:transition>
+    </mc:Fallback>
+  </mc:AlternateContent>
+</p:sld>
+</file>
+
+<file path=ppt/slides/slide11.xml><?xml version="1.0" encoding="utf-8"?>
+<p:sld xmlns:a="http://schemas.openxmlformats.org/drawingml/2006/main" xmlns:r="http://schemas.openxmlformats.org/officeDocument/2006/relationships" xmlns:p="http://schemas.openxmlformats.org/presentationml/2006/main">
+  <p:cSld>
+    <p:spTree>
+      <p:nvGrpSpPr>
+        <p:cNvPr id="1" name=""/>
+        <p:cNvGrpSpPr/>
+        <p:nvPr/>
+      </p:nvGrpSpPr>
+      <p:grpSpPr>
+        <a:xfrm>
+          <a:off x="0" y="0"/>
+          <a:ext cx="0" cy="0"/>
+          <a:chOff x="0" y="0"/>
+          <a:chExt cx="0" cy="0"/>
+        </a:xfrm>
+      </p:grpSpPr>
+      <p:sp>
+        <p:nvSpPr>
+          <p:cNvPr id="2" name="TextBox 1">
+            <a:extLst>
+              <a:ext uri="{FF2B5EF4-FFF2-40B4-BE49-F238E27FC236}">
+                <a16:creationId xmlns:a16="http://schemas.microsoft.com/office/drawing/2014/main" id="{095C4B6D-6E2E-411F-8134-C186EC0139BD}"/>
+              </a:ext>
+            </a:extLst>
+          </p:cNvPr>
+          <p:cNvSpPr txBox="1"/>
+          <p:nvPr/>
+        </p:nvSpPr>
+        <p:spPr>
+          <a:xfrm>
+            <a:off x="212035" y="344556"/>
+            <a:ext cx="2650435" cy="584775"/>
+          </a:xfrm>
+          <a:prstGeom prst="rect">
+            <a:avLst/>
+          </a:prstGeom>
+          <a:noFill/>
+        </p:spPr>
+        <p:txBody>
+          <a:bodyPr wrap="square" rtlCol="0">
+            <a:spAutoFit/>
+          </a:bodyPr>
+          <a:lstStyle/>
+          <a:p>
+            <a:r>
+              <a:rPr lang="en-US" sz="3200" dirty="0"/>
+              <a:t>MODELLING</a:t>
+            </a:r>
+          </a:p>
+        </p:txBody>
+      </p:sp>
+      <p:sp>
+        <p:nvSpPr>
+          <p:cNvPr id="3" name="Rectangle 2">
+            <a:extLst>
+              <a:ext uri="{FF2B5EF4-FFF2-40B4-BE49-F238E27FC236}">
+                <a16:creationId xmlns:a16="http://schemas.microsoft.com/office/drawing/2014/main" id="{3F4239DB-8DD8-434E-8D22-53F6DEB7DB27}"/>
+              </a:ext>
+            </a:extLst>
+          </p:cNvPr>
+          <p:cNvSpPr/>
+          <p:nvPr/>
+        </p:nvSpPr>
+        <p:spPr>
+          <a:xfrm>
+            <a:off x="728869" y="1378878"/>
+            <a:ext cx="7553740" cy="3970318"/>
+          </a:xfrm>
+          <a:prstGeom prst="rect">
+            <a:avLst/>
+          </a:prstGeom>
+        </p:spPr>
+        <p:txBody>
+          <a:bodyPr wrap="square">
+            <a:spAutoFit/>
+          </a:bodyPr>
+          <a:lstStyle/>
+          <a:p>
+            <a:r>
+              <a:rPr lang="en-US" dirty="0"/>
+              <a:t>Data Capture Model: Keyloggers are modeled to intercept and record keystrokes entered by a user on a keyboard. This involves low-level system interaction to capture input events.</a:t>
+            </a:r>
+          </a:p>
+          <a:p>
+            <a:r>
+              <a:rPr lang="en-US" dirty="0"/>
+              <a:t>Storage and Logging Model: Captured keystrokes are typically stored in a log file or transmitted to a remote server for further analysis. The model includes mechanisms for secure storage and efficient logging of data.</a:t>
+            </a:r>
+          </a:p>
+          <a:p>
+            <a:r>
+              <a:rPr lang="en-US" dirty="0"/>
+              <a:t>Stealth and Persistence Model: Advanced keyloggers are modeled to operate stealthily, ensuring they remain undetected by users or security software. They may also include mechanisms to persist across system reboots.</a:t>
+            </a:r>
+          </a:p>
+          <a:p>
+            <a:r>
+              <a:rPr lang="en-US" dirty="0"/>
+              <a:t>User Interface and Control Model: Some keyloggers provide a user interface for configuration and control, allowing administrators or authorized users to manage logging settings and access recorded data</a:t>
+            </a:r>
+          </a:p>
+        </p:txBody>
+      </p:sp>
+    </p:spTree>
+    <p:extLst>
+      <p:ext uri="{BB962C8B-B14F-4D97-AF65-F5344CB8AC3E}">
+        <p14:creationId xmlns:p14="http://schemas.microsoft.com/office/powerpoint/2010/main" val="3755979935"/>
+      </p:ext>
+    </p:extLst>
+  </p:cSld>
+  <p:clrMapOvr>
+    <a:masterClrMapping/>
+  </p:clrMapOvr>
+  <mc:AlternateContent xmlns:mc="http://schemas.openxmlformats.org/markup-compatibility/2006" xmlns:p159="http://schemas.microsoft.com/office/powerpoint/2015/09/main">
+    <mc:Choice Requires="p159">
+      <p:transition xmlns:p14="http://schemas.microsoft.com/office/powerpoint/2010/main" spd="slow" p14:dur="2000">
+        <p159:morph option="byObject"/>
+      </p:transition>
+    </mc:Choice>
+    <mc:Fallback xmlns="">
+      <p:transition spd="slow">
+        <p:fade/>
+      </p:transition>
+    </mc:Fallback>
+  </mc:AlternateContent>
+</p:sld>
+</file>
+
+<file path=ppt/slides/slide12.xml><?xml version="1.0" encoding="utf-8"?>
+<p:sld xmlns:a="http://schemas.openxmlformats.org/drawingml/2006/main" xmlns:r="http://schemas.openxmlformats.org/officeDocument/2006/relationships" xmlns:p="http://schemas.openxmlformats.org/presentationml/2006/main">
+  <p:cSld>
+    <p:spTree>
+      <p:nvGrpSpPr>
+        <p:cNvPr id="1" name=""/>
+        <p:cNvGrpSpPr/>
+        <p:nvPr/>
+      </p:nvGrpSpPr>
+      <p:grpSpPr>
+        <a:xfrm>
+          <a:off x="0" y="0"/>
+          <a:ext cx="0" cy="0"/>
+          <a:chOff x="0" y="0"/>
+          <a:chExt cx="0" cy="0"/>
+        </a:xfrm>
+      </p:grpSpPr>
+      <p:sp>
+        <p:nvSpPr>
           <p:cNvPr id="3" name="TextBox 2">
             <a:extLst>
               <a:ext uri="{FF2B5EF4-FFF2-40B4-BE49-F238E27FC236}">
@@ -6272,6 +6569,118 @@
     <p:extLst>
       <p:ext uri="{BB962C8B-B14F-4D97-AF65-F5344CB8AC3E}">
         <p14:creationId xmlns:p14="http://schemas.microsoft.com/office/powerpoint/2010/main" val="2024523448"/>
+      </p:ext>
+    </p:extLst>
+  </p:cSld>
+  <p:clrMapOvr>
+    <a:masterClrMapping/>
+  </p:clrMapOvr>
+  <mc:AlternateContent xmlns:mc="http://schemas.openxmlformats.org/markup-compatibility/2006" xmlns:p159="http://schemas.microsoft.com/office/powerpoint/2015/09/main">
+    <mc:Choice Requires="p159">
+      <p:transition xmlns:p14="http://schemas.microsoft.com/office/powerpoint/2010/main" spd="slow" p14:dur="2000">
+        <p159:morph option="byObject"/>
+      </p:transition>
+    </mc:Choice>
+    <mc:Fallback xmlns="">
+      <p:transition spd="slow">
+        <p:fade/>
+      </p:transition>
+    </mc:Fallback>
+  </mc:AlternateContent>
+</p:sld>
+</file>
+
+<file path=ppt/slides/slide13.xml><?xml version="1.0" encoding="utf-8"?>
+<p:sld xmlns:a="http://schemas.openxmlformats.org/drawingml/2006/main" xmlns:r="http://schemas.openxmlformats.org/officeDocument/2006/relationships" xmlns:p="http://schemas.openxmlformats.org/presentationml/2006/main">
+  <p:cSld>
+    <p:spTree>
+      <p:nvGrpSpPr>
+        <p:cNvPr id="1" name=""/>
+        <p:cNvGrpSpPr/>
+        <p:nvPr/>
+      </p:nvGrpSpPr>
+      <p:grpSpPr>
+        <a:xfrm>
+          <a:off x="0" y="0"/>
+          <a:ext cx="0" cy="0"/>
+          <a:chOff x="0" y="0"/>
+          <a:chExt cx="0" cy="0"/>
+        </a:xfrm>
+      </p:grpSpPr>
+      <p:sp>
+        <p:nvSpPr>
+          <p:cNvPr id="2" name="TextBox 1">
+            <a:extLst>
+              <a:ext uri="{FF2B5EF4-FFF2-40B4-BE49-F238E27FC236}">
+                <a16:creationId xmlns:a16="http://schemas.microsoft.com/office/drawing/2014/main" id="{285CBFC0-6920-4EF1-A617-378B9F44FC27}"/>
+              </a:ext>
+            </a:extLst>
+          </p:cNvPr>
+          <p:cNvSpPr txBox="1"/>
+          <p:nvPr/>
+        </p:nvSpPr>
+        <p:spPr>
+          <a:xfrm>
+            <a:off x="887895" y="477079"/>
+            <a:ext cx="3034748" cy="461665"/>
+          </a:xfrm>
+          <a:prstGeom prst="rect">
+            <a:avLst/>
+          </a:prstGeom>
+          <a:noFill/>
+        </p:spPr>
+        <p:txBody>
+          <a:bodyPr wrap="square" rtlCol="0">
+            <a:spAutoFit/>
+          </a:bodyPr>
+          <a:lstStyle/>
+          <a:p>
+            <a:r>
+              <a:rPr lang="en-US" sz="2400" dirty="0"/>
+              <a:t>PROJECT LINK:</a:t>
+            </a:r>
+          </a:p>
+        </p:txBody>
+      </p:sp>
+      <p:sp>
+        <p:nvSpPr>
+          <p:cNvPr id="5" name="Rectangle 4">
+            <a:hlinkClick r:id="rId2"/>
+            <a:extLst>
+              <a:ext uri="{FF2B5EF4-FFF2-40B4-BE49-F238E27FC236}">
+                <a16:creationId xmlns:a16="http://schemas.microsoft.com/office/drawing/2014/main" id="{39EF1F4E-48FE-4C77-BF80-D5DB0BE42155}"/>
+              </a:ext>
+            </a:extLst>
+          </p:cNvPr>
+          <p:cNvSpPr/>
+          <p:nvPr/>
+        </p:nvSpPr>
+        <p:spPr>
+          <a:xfrm>
+            <a:off x="2199861" y="2714247"/>
+            <a:ext cx="5421901" cy="369332"/>
+          </a:xfrm>
+          <a:prstGeom prst="rect">
+            <a:avLst/>
+          </a:prstGeom>
+        </p:spPr>
+        <p:txBody>
+          <a:bodyPr wrap="square">
+            <a:spAutoFit/>
+          </a:bodyPr>
+          <a:lstStyle/>
+          <a:p>
+            <a:r>
+              <a:rPr lang="en-US" dirty="0"/>
+              <a:t>https://github.com/Asma-786/asma_project.git</a:t>
+            </a:r>
+          </a:p>
+        </p:txBody>
+      </p:sp>
+    </p:spTree>
+    <p:extLst>
+      <p:ext uri="{BB962C8B-B14F-4D97-AF65-F5344CB8AC3E}">
+        <p14:creationId xmlns:p14="http://schemas.microsoft.com/office/powerpoint/2010/main" val="3383398339"/>
       </p:ext>
     </p:extLst>
   </p:cSld>
@@ -6838,7 +7247,7 @@
           <p:cNvPr id="2" name="TextBox 1">
             <a:extLst>
               <a:ext uri="{FF2B5EF4-FFF2-40B4-BE49-F238E27FC236}">
-                <a16:creationId xmlns:a16="http://schemas.microsoft.com/office/drawing/2014/main" id="{F9474531-C9BE-4A21-A58D-9396783C96FC}"/>
+                <a16:creationId xmlns:a16="http://schemas.microsoft.com/office/drawing/2014/main" id="{A76D2E4D-FECE-437D-82D7-60E3D4FF0992}"/>
               </a:ext>
             </a:extLst>
           </p:cNvPr>
@@ -6847,8 +7256,8 @@
         </p:nvSpPr>
         <p:spPr>
           <a:xfrm>
-            <a:off x="291548" y="371061"/>
-            <a:ext cx="3392556" cy="461665"/>
+            <a:off x="119271" y="159027"/>
+            <a:ext cx="6260208" cy="523220"/>
           </a:xfrm>
           <a:prstGeom prst="rect">
             <a:avLst/>
@@ -6862,192 +7271,130 @@
           <a:lstStyle/>
           <a:p>
             <a:r>
-              <a:rPr lang="en-US" sz="2400" dirty="0"/>
-              <a:t>Who are the end users</a:t>
-            </a:r>
-          </a:p>
-        </p:txBody>
-      </p:sp>
-      <p:sp>
-        <p:nvSpPr>
-          <p:cNvPr id="5" name="TextBox 4">
+              <a:rPr lang="en-US" sz="2800" dirty="0"/>
+              <a:t>Advantages:</a:t>
+            </a:r>
+          </a:p>
+        </p:txBody>
+      </p:sp>
+      <p:sp>
+        <p:nvSpPr>
+          <p:cNvPr id="3" name="Rectangle 2">
             <a:extLst>
               <a:ext uri="{FF2B5EF4-FFF2-40B4-BE49-F238E27FC236}">
-                <a16:creationId xmlns:a16="http://schemas.microsoft.com/office/drawing/2014/main" id="{6F39EF12-AD64-4985-83E2-260ADDBB640C}"/>
+                <a16:creationId xmlns:a16="http://schemas.microsoft.com/office/drawing/2014/main" id="{6A7D0361-DAE4-4137-B5AF-5A25F69A7BBD}"/>
               </a:ext>
             </a:extLst>
           </p:cNvPr>
-          <p:cNvSpPr txBox="1"/>
+          <p:cNvSpPr/>
           <p:nvPr/>
         </p:nvSpPr>
         <p:spPr>
           <a:xfrm>
-            <a:off x="437323" y="2266122"/>
-            <a:ext cx="575806" cy="223558"/>
-          </a:xfrm>
-          <a:prstGeom prst="rect">
-            <a:avLst/>
-          </a:prstGeom>
-          <a:noFill/>
-        </p:spPr>
-        <p:txBody>
-          <a:bodyPr wrap="square" rtlCol="0">
-            <a:spAutoFit/>
-          </a:bodyPr>
-          <a:lstStyle/>
-          <a:p>
-            <a:endParaRPr lang="en-US" dirty="0"/>
-          </a:p>
-        </p:txBody>
-      </p:sp>
-      <p:pic>
-        <p:nvPicPr>
-          <p:cNvPr id="7" name="Picture 6">
-            <a:extLst>
-              <a:ext uri="{FF2B5EF4-FFF2-40B4-BE49-F238E27FC236}">
-                <a16:creationId xmlns:a16="http://schemas.microsoft.com/office/drawing/2014/main" id="{8178C912-017E-45FF-B2A8-455487919140}"/>
-              </a:ext>
-            </a:extLst>
-          </p:cNvPr>
-          <p:cNvPicPr>
-            <a:picLocks noChangeAspect="1"/>
-          </p:cNvPicPr>
-          <p:nvPr/>
-        </p:nvPicPr>
-        <p:blipFill>
-          <a:blip r:embed="rId2">
-            <a:extLst>
-              <a:ext uri="{28A0092B-C50C-407E-A947-70E740481C1C}">
-                <a14:useLocalDpi xmlns:a14="http://schemas.microsoft.com/office/drawing/2010/main" val="0"/>
-              </a:ext>
-            </a:extLst>
-          </a:blip>
-          <a:stretch>
-            <a:fillRect/>
-          </a:stretch>
-        </p:blipFill>
-        <p:spPr>
-          <a:xfrm>
-            <a:off x="487328" y="1398414"/>
-            <a:ext cx="3000996" cy="1735415"/>
+            <a:off x="596347" y="1288200"/>
+            <a:ext cx="5783132" cy="1200329"/>
           </a:xfrm>
           <a:prstGeom prst="rect">
             <a:avLst/>
           </a:prstGeom>
         </p:spPr>
-      </p:pic>
-      <p:sp>
-        <p:nvSpPr>
-          <p:cNvPr id="9" name="TextBox 8">
+        <p:txBody>
+          <a:bodyPr wrap="square">
+            <a:spAutoFit/>
+          </a:bodyPr>
+          <a:lstStyle/>
+          <a:p>
+            <a:pPr marL="285750" indent="-285750">
+              <a:buFont typeface="Arial" panose="020B0604020202020204" pitchFamily="34" charset="0"/>
+              <a:buChar char="•"/>
+            </a:pPr>
+            <a:r>
+              <a:rPr lang="en-US" dirty="0"/>
+              <a:t>Monitoring and Surveillance: They can be used for legitimate monitoring purposes, such as parental control or employee monitoring, to track activities and ensure compliance with policies.</a:t>
+            </a:r>
+          </a:p>
+        </p:txBody>
+      </p:sp>
+      <p:sp>
+        <p:nvSpPr>
+          <p:cNvPr id="4" name="Rectangle 3">
             <a:extLst>
               <a:ext uri="{FF2B5EF4-FFF2-40B4-BE49-F238E27FC236}">
-                <a16:creationId xmlns:a16="http://schemas.microsoft.com/office/drawing/2014/main" id="{186E18EB-4AFD-4EE7-B483-5BCC4929195A}"/>
+                <a16:creationId xmlns:a16="http://schemas.microsoft.com/office/drawing/2014/main" id="{28B2702C-C706-460E-AC9E-F0FC3C16A7F5}"/>
               </a:ext>
             </a:extLst>
           </p:cNvPr>
-          <p:cNvSpPr txBox="1"/>
+          <p:cNvSpPr/>
           <p:nvPr/>
         </p:nvSpPr>
         <p:spPr>
           <a:xfrm>
-            <a:off x="487327" y="3564835"/>
-            <a:ext cx="2785959" cy="3139321"/>
-          </a:xfrm>
-          <a:prstGeom prst="rect">
-            <a:avLst/>
-          </a:prstGeom>
-          <a:noFill/>
-        </p:spPr>
-        <p:txBody>
-          <a:bodyPr wrap="square" rtlCol="0">
-            <a:spAutoFit/>
-          </a:bodyPr>
-          <a:lstStyle/>
-          <a:p>
-            <a:r>
-              <a:rPr lang="en-US"/>
-              <a:t>Cybersecurity Professionals:Security analysts and IT professionals responsible for detecting and mitigating keylogger threats.Developers and researchers working on improving security technologies and protocols</a:t>
-            </a:r>
-            <a:endParaRPr lang="en-US" dirty="0"/>
-          </a:p>
-        </p:txBody>
-      </p:sp>
-      <p:pic>
-        <p:nvPicPr>
-          <p:cNvPr id="11" name="Picture 10">
-            <a:extLst>
-              <a:ext uri="{FF2B5EF4-FFF2-40B4-BE49-F238E27FC236}">
-                <a16:creationId xmlns:a16="http://schemas.microsoft.com/office/drawing/2014/main" id="{CB21DAEA-10BE-4C94-BA63-1B6ED413B231}"/>
-              </a:ext>
-            </a:extLst>
-          </p:cNvPr>
-          <p:cNvPicPr>
-            <a:picLocks noChangeAspect="1"/>
-          </p:cNvPicPr>
-          <p:nvPr/>
-        </p:nvPicPr>
-        <p:blipFill>
-          <a:blip r:embed="rId3">
-            <a:extLst>
-              <a:ext uri="{28A0092B-C50C-407E-A947-70E740481C1C}">
-                <a14:useLocalDpi xmlns:a14="http://schemas.microsoft.com/office/drawing/2010/main" val="0"/>
-              </a:ext>
-            </a:extLst>
-          </a:blip>
-          <a:stretch>
-            <a:fillRect/>
-          </a:stretch>
-        </p:blipFill>
-        <p:spPr>
-          <a:xfrm>
-            <a:off x="4934471" y="1341989"/>
-            <a:ext cx="3490912" cy="1848264"/>
+            <a:off x="596347" y="2632817"/>
+            <a:ext cx="6096000" cy="923330"/>
           </a:xfrm>
           <a:prstGeom prst="rect">
             <a:avLst/>
           </a:prstGeom>
         </p:spPr>
-      </p:pic>
-      <p:sp>
-        <p:nvSpPr>
-          <p:cNvPr id="12" name="TextBox 11">
+        <p:txBody>
+          <a:bodyPr>
+            <a:spAutoFit/>
+          </a:bodyPr>
+          <a:lstStyle/>
+          <a:p>
+            <a:pPr marL="285750" indent="-285750">
+              <a:buFont typeface="Arial" panose="020B0604020202020204" pitchFamily="34" charset="0"/>
+              <a:buChar char="•"/>
+            </a:pPr>
+            <a:r>
+              <a:rPr lang="en-US" dirty="0"/>
+              <a:t>Forensic Analysis: In forensic investigations, keyloggers can be used to gather evidence related to unauthorized access or criminal activities.</a:t>
+            </a:r>
+          </a:p>
+        </p:txBody>
+      </p:sp>
+      <p:sp>
+        <p:nvSpPr>
+          <p:cNvPr id="5" name="Rectangle 4">
             <a:extLst>
               <a:ext uri="{FF2B5EF4-FFF2-40B4-BE49-F238E27FC236}">
-                <a16:creationId xmlns:a16="http://schemas.microsoft.com/office/drawing/2014/main" id="{CE0DDA76-8AB6-4AE8-8DF6-D4B7D75D3A96}"/>
+                <a16:creationId xmlns:a16="http://schemas.microsoft.com/office/drawing/2014/main" id="{77E72E3E-97CB-4DA4-9CD8-E6B435FE6EFC}"/>
               </a:ext>
             </a:extLst>
           </p:cNvPr>
-          <p:cNvSpPr txBox="1"/>
+          <p:cNvSpPr/>
           <p:nvPr/>
         </p:nvSpPr>
         <p:spPr>
           <a:xfrm>
-            <a:off x="5456892" y="3564835"/>
-            <a:ext cx="2785959" cy="2862322"/>
+            <a:off x="596347" y="3977434"/>
+            <a:ext cx="6096000" cy="923330"/>
           </a:xfrm>
           <a:prstGeom prst="rect">
             <a:avLst/>
           </a:prstGeom>
-          <a:noFill/>
         </p:spPr>
         <p:txBody>
-          <a:bodyPr wrap="square" rtlCol="0">
+          <a:bodyPr>
             <a:spAutoFit/>
           </a:bodyPr>
           <a:lstStyle/>
           <a:p>
-            <a:r>
-              <a:rPr lang="en-US"/>
-              <a:t>Government Agencies:Law enforcement agencies using keyloggers for investigative purposes.Government entities ensuring cybersecurity across public services and critical infrastructure.</a:t>
-            </a:r>
-            <a:endParaRPr lang="en-US" dirty="0"/>
+            <a:pPr marL="285750" indent="-285750">
+              <a:buFont typeface="Arial" panose="020B0604020202020204" pitchFamily="34" charset="0"/>
+              <a:buChar char="•"/>
+            </a:pPr>
+            <a:r>
+              <a:rPr lang="en-US" dirty="0"/>
+              <a:t>Password Recovery: They can help recover lost passwords by capturing keystrokes when users enter credentials.</a:t>
+            </a:r>
           </a:p>
         </p:txBody>
       </p:sp>
     </p:spTree>
     <p:extLst>
       <p:ext uri="{BB962C8B-B14F-4D97-AF65-F5344CB8AC3E}">
-        <p14:creationId xmlns:p14="http://schemas.microsoft.com/office/powerpoint/2010/main" val="2725942363"/>
+        <p14:creationId xmlns:p14="http://schemas.microsoft.com/office/powerpoint/2010/main" val="3311122177"/>
       </p:ext>
     </p:extLst>
   </p:cSld>
@@ -7088,45 +7435,10 @@
       </p:grpSpPr>
       <p:sp>
         <p:nvSpPr>
-          <p:cNvPr id="2" name="TextBox 1">
+          <p:cNvPr id="2" name="Rectangle 1">
             <a:extLst>
               <a:ext uri="{FF2B5EF4-FFF2-40B4-BE49-F238E27FC236}">
-                <a16:creationId xmlns:a16="http://schemas.microsoft.com/office/drawing/2014/main" id="{52C8ED42-D2D6-4356-945A-4504D1BF3561}"/>
-              </a:ext>
-            </a:extLst>
-          </p:cNvPr>
-          <p:cNvSpPr txBox="1"/>
-          <p:nvPr/>
-        </p:nvSpPr>
-        <p:spPr>
-          <a:xfrm>
-            <a:off x="225287" y="490330"/>
-            <a:ext cx="8627165" cy="584775"/>
-          </a:xfrm>
-          <a:prstGeom prst="rect">
-            <a:avLst/>
-          </a:prstGeom>
-          <a:noFill/>
-        </p:spPr>
-        <p:txBody>
-          <a:bodyPr wrap="square" rtlCol="0">
-            <a:spAutoFit/>
-          </a:bodyPr>
-          <a:lstStyle/>
-          <a:p>
-            <a:r>
-              <a:rPr lang="en-US" sz="3200" dirty="0"/>
-              <a:t>Your solution and its value preposition</a:t>
-            </a:r>
-          </a:p>
-        </p:txBody>
-      </p:sp>
-      <p:sp>
-        <p:nvSpPr>
-          <p:cNvPr id="3" name="Rectangle 2">
-            <a:extLst>
-              <a:ext uri="{FF2B5EF4-FFF2-40B4-BE49-F238E27FC236}">
-                <a16:creationId xmlns:a16="http://schemas.microsoft.com/office/drawing/2014/main" id="{FB6DB1EC-AB0B-46D5-977B-E9642A7EF700}"/>
+                <a16:creationId xmlns:a16="http://schemas.microsoft.com/office/drawing/2014/main" id="{7DCE772D-F185-4FEA-A9BC-71805BC5C3F3}"/>
               </a:ext>
             </a:extLst>
           </p:cNvPr>
@@ -7135,8 +7447,8 @@
         </p:nvSpPr>
         <p:spPr>
           <a:xfrm>
-            <a:off x="516835" y="1582341"/>
-            <a:ext cx="7103165" cy="3416320"/>
+            <a:off x="344557" y="302351"/>
+            <a:ext cx="2663686" cy="461665"/>
           </a:xfrm>
           <a:prstGeom prst="rect">
             <a:avLst/>
@@ -7149,8 +7461,160 @@
           <a:lstStyle/>
           <a:p>
             <a:r>
+              <a:rPr lang="en-US" sz="2400" dirty="0"/>
+              <a:t>Disadvantages:</a:t>
+            </a:r>
+          </a:p>
+        </p:txBody>
+      </p:sp>
+      <p:sp>
+        <p:nvSpPr>
+          <p:cNvPr id="3" name="Rectangle 2">
+            <a:extLst>
+              <a:ext uri="{FF2B5EF4-FFF2-40B4-BE49-F238E27FC236}">
+                <a16:creationId xmlns:a16="http://schemas.microsoft.com/office/drawing/2014/main" id="{25664A1B-D4BD-4509-8208-71AAA32619B5}"/>
+              </a:ext>
+            </a:extLst>
+          </p:cNvPr>
+          <p:cNvSpPr/>
+          <p:nvPr/>
+        </p:nvSpPr>
+        <p:spPr>
+          <a:xfrm>
+            <a:off x="344557" y="1145810"/>
+            <a:ext cx="6096000" cy="1200329"/>
+          </a:xfrm>
+          <a:prstGeom prst="rect">
+            <a:avLst/>
+          </a:prstGeom>
+        </p:spPr>
+        <p:txBody>
+          <a:bodyPr>
+            <a:spAutoFit/>
+          </a:bodyPr>
+          <a:lstStyle/>
+          <a:p>
+            <a:pPr marL="285750" indent="-285750">
+              <a:buFont typeface="Arial" panose="020B0604020202020204" pitchFamily="34" charset="0"/>
+              <a:buChar char="•"/>
+            </a:pPr>
+            <a:r>
               <a:rPr lang="en-US" dirty="0"/>
-              <a:t>A keylogger can be valuable for specific purposes such as monitoring computer usage in controlled environments or for cybersecurity purposes in detecting unauthorized access or suspicious activities. However, it's crucial to emphasize that the use of keyloggers must comply with ethical and legal considerations, particularly regarding privacy and consent . Keyloggers can provide insights into user behavior, help in troubleshooting technical issues, and in some cases, assist in forensic investigations. However, their deployment should always prioritize respect for privacy and adhere to applicable laws and regulations. Always ensure that the use of such tools is transparent and lawful in your context.</a:t>
+              <a:t>Privacy Concerns: Malicious keyloggers can invade privacy by capturing sensitive information like passwords, credit card numbers, and personal messages without consent.</a:t>
+            </a:r>
+          </a:p>
+        </p:txBody>
+      </p:sp>
+      <p:sp>
+        <p:nvSpPr>
+          <p:cNvPr id="4" name="Rectangle 3">
+            <a:extLst>
+              <a:ext uri="{FF2B5EF4-FFF2-40B4-BE49-F238E27FC236}">
+                <a16:creationId xmlns:a16="http://schemas.microsoft.com/office/drawing/2014/main" id="{AF9250AE-60B6-4A86-BCC5-5C050AE4E34A}"/>
+              </a:ext>
+            </a:extLst>
+          </p:cNvPr>
+          <p:cNvSpPr/>
+          <p:nvPr/>
+        </p:nvSpPr>
+        <p:spPr>
+          <a:xfrm>
+            <a:off x="344557" y="2505670"/>
+            <a:ext cx="6096000" cy="923330"/>
+          </a:xfrm>
+          <a:prstGeom prst="rect">
+            <a:avLst/>
+          </a:prstGeom>
+        </p:spPr>
+        <p:txBody>
+          <a:bodyPr>
+            <a:spAutoFit/>
+          </a:bodyPr>
+          <a:lstStyle/>
+          <a:p>
+            <a:pPr marL="285750" indent="-285750">
+              <a:buFont typeface="Arial" panose="020B0604020202020204" pitchFamily="34" charset="0"/>
+              <a:buChar char="•"/>
+            </a:pPr>
+            <a:r>
+              <a:rPr lang="en-US" dirty="0"/>
+              <a:t>Security Risks: If a computer is infected with a malicious keylogger, it can lead to data breaches and identity theft.</a:t>
+            </a:r>
+          </a:p>
+        </p:txBody>
+      </p:sp>
+      <p:sp>
+        <p:nvSpPr>
+          <p:cNvPr id="5" name="Rectangle 4">
+            <a:extLst>
+              <a:ext uri="{FF2B5EF4-FFF2-40B4-BE49-F238E27FC236}">
+                <a16:creationId xmlns:a16="http://schemas.microsoft.com/office/drawing/2014/main" id="{C56503B3-3870-48BA-8267-26B8045FC83F}"/>
+              </a:ext>
+            </a:extLst>
+          </p:cNvPr>
+          <p:cNvSpPr/>
+          <p:nvPr/>
+        </p:nvSpPr>
+        <p:spPr>
+          <a:xfrm>
+            <a:off x="437323" y="3638733"/>
+            <a:ext cx="6096000" cy="923330"/>
+          </a:xfrm>
+          <a:prstGeom prst="rect">
+            <a:avLst/>
+          </a:prstGeom>
+        </p:spPr>
+        <p:txBody>
+          <a:bodyPr>
+            <a:spAutoFit/>
+          </a:bodyPr>
+          <a:lstStyle/>
+          <a:p>
+            <a:pPr marL="285750" indent="-285750">
+              <a:buFont typeface="Arial" panose="020B0604020202020204" pitchFamily="34" charset="0"/>
+              <a:buChar char="•"/>
+            </a:pPr>
+            <a:r>
+              <a:rPr lang="en-US" dirty="0"/>
+              <a:t>Detection: Advanced antivirus programs and security measures can detect and block keyloggers, making them less effective for malicious purposes.</a:t>
+            </a:r>
+          </a:p>
+        </p:txBody>
+      </p:sp>
+      <p:sp>
+        <p:nvSpPr>
+          <p:cNvPr id="6" name="Rectangle 5">
+            <a:extLst>
+              <a:ext uri="{FF2B5EF4-FFF2-40B4-BE49-F238E27FC236}">
+                <a16:creationId xmlns:a16="http://schemas.microsoft.com/office/drawing/2014/main" id="{D5EE37D7-8B37-43F2-9456-CD0913310941}"/>
+              </a:ext>
+            </a:extLst>
+          </p:cNvPr>
+          <p:cNvSpPr/>
+          <p:nvPr/>
+        </p:nvSpPr>
+        <p:spPr>
+          <a:xfrm>
+            <a:off x="437323" y="4931327"/>
+            <a:ext cx="6096000" cy="923330"/>
+          </a:xfrm>
+          <a:prstGeom prst="rect">
+            <a:avLst/>
+          </a:prstGeom>
+        </p:spPr>
+        <p:txBody>
+          <a:bodyPr>
+            <a:spAutoFit/>
+          </a:bodyPr>
+          <a:lstStyle/>
+          <a:p>
+            <a:pPr marL="285750" indent="-285750">
+              <a:buFont typeface="Arial" panose="020B0604020202020204" pitchFamily="34" charset="0"/>
+              <a:buChar char="•"/>
+            </a:pPr>
+            <a:r>
+              <a:rPr lang="en-US" dirty="0"/>
+              <a:t>Legal Issues: Using keyloggers without authorization is illegal in many jurisdictions and can lead to legal consequences.</a:t>
             </a:r>
           </a:p>
         </p:txBody>
@@ -7158,7 +7622,7 @@
     </p:spTree>
     <p:extLst>
       <p:ext uri="{BB962C8B-B14F-4D97-AF65-F5344CB8AC3E}">
-        <p14:creationId xmlns:p14="http://schemas.microsoft.com/office/powerpoint/2010/main" val="1597405288"/>
+        <p14:creationId xmlns:p14="http://schemas.microsoft.com/office/powerpoint/2010/main" val="2609861919"/>
       </p:ext>
     </p:extLst>
   </p:cSld>
@@ -7202,7 +7666,7 @@
           <p:cNvPr id="2" name="TextBox 1">
             <a:extLst>
               <a:ext uri="{FF2B5EF4-FFF2-40B4-BE49-F238E27FC236}">
-                <a16:creationId xmlns:a16="http://schemas.microsoft.com/office/drawing/2014/main" id="{FE7C49B9-42F9-4043-B818-9F37AEBF5D81}"/>
+                <a16:creationId xmlns:a16="http://schemas.microsoft.com/office/drawing/2014/main" id="{F9474531-C9BE-4A21-A58D-9396783C96FC}"/>
               </a:ext>
             </a:extLst>
           </p:cNvPr>
@@ -7211,8 +7675,8 @@
         </p:nvSpPr>
         <p:spPr>
           <a:xfrm>
-            <a:off x="556591" y="437322"/>
-            <a:ext cx="4837043" cy="584775"/>
+            <a:off x="291548" y="371061"/>
+            <a:ext cx="3392556" cy="461665"/>
           </a:xfrm>
           <a:prstGeom prst="rect">
             <a:avLst/>
@@ -7226,18 +7690,50 @@
           <a:lstStyle/>
           <a:p>
             <a:r>
-              <a:rPr lang="en-US" sz="3200" dirty="0"/>
-              <a:t>The wow in your solution</a:t>
-            </a:r>
+              <a:rPr lang="en-US" sz="2400" dirty="0"/>
+              <a:t>Who are the end users</a:t>
+            </a:r>
+          </a:p>
+        </p:txBody>
+      </p:sp>
+      <p:sp>
+        <p:nvSpPr>
+          <p:cNvPr id="5" name="TextBox 4">
+            <a:extLst>
+              <a:ext uri="{FF2B5EF4-FFF2-40B4-BE49-F238E27FC236}">
+                <a16:creationId xmlns:a16="http://schemas.microsoft.com/office/drawing/2014/main" id="{6F39EF12-AD64-4985-83E2-260ADDBB640C}"/>
+              </a:ext>
+            </a:extLst>
+          </p:cNvPr>
+          <p:cNvSpPr txBox="1"/>
+          <p:nvPr/>
+        </p:nvSpPr>
+        <p:spPr>
+          <a:xfrm>
+            <a:off x="437323" y="2266122"/>
+            <a:ext cx="575806" cy="223558"/>
+          </a:xfrm>
+          <a:prstGeom prst="rect">
+            <a:avLst/>
+          </a:prstGeom>
+          <a:noFill/>
+        </p:spPr>
+        <p:txBody>
+          <a:bodyPr wrap="square" rtlCol="0">
+            <a:spAutoFit/>
+          </a:bodyPr>
+          <a:lstStyle/>
+          <a:p>
+            <a:endParaRPr lang="en-US" dirty="0"/>
           </a:p>
         </p:txBody>
       </p:sp>
       <p:pic>
         <p:nvPicPr>
-          <p:cNvPr id="4" name="Picture 3">
+          <p:cNvPr id="7" name="Picture 6">
             <a:extLst>
               <a:ext uri="{FF2B5EF4-FFF2-40B4-BE49-F238E27FC236}">
-                <a16:creationId xmlns:a16="http://schemas.microsoft.com/office/drawing/2014/main" id="{182842EF-906B-423A-915B-2244E368E44E}"/>
+                <a16:creationId xmlns:a16="http://schemas.microsoft.com/office/drawing/2014/main" id="{8178C912-017E-45FF-B2A8-455487919140}"/>
               </a:ext>
             </a:extLst>
           </p:cNvPr>
@@ -7260,8 +7756,8 @@
         </p:blipFill>
         <p:spPr>
           <a:xfrm>
-            <a:off x="5128592" y="1452562"/>
-            <a:ext cx="4486896" cy="3092934"/>
+            <a:off x="487328" y="1398414"/>
+            <a:ext cx="3000996" cy="1735415"/>
           </a:xfrm>
           <a:prstGeom prst="rect">
             <a:avLst/>
@@ -7270,60 +7766,116 @@
       </p:pic>
       <p:sp>
         <p:nvSpPr>
-          <p:cNvPr id="5" name="Rectangle 4">
+          <p:cNvPr id="9" name="TextBox 8">
             <a:extLst>
               <a:ext uri="{FF2B5EF4-FFF2-40B4-BE49-F238E27FC236}">
-                <a16:creationId xmlns:a16="http://schemas.microsoft.com/office/drawing/2014/main" id="{E0F64F6E-0EDC-4763-9F8D-E7961EFD0527}"/>
+                <a16:creationId xmlns:a16="http://schemas.microsoft.com/office/drawing/2014/main" id="{186E18EB-4AFD-4EE7-B483-5BCC4929195A}"/>
               </a:ext>
             </a:extLst>
           </p:cNvPr>
-          <p:cNvSpPr/>
+          <p:cNvSpPr txBox="1"/>
           <p:nvPr/>
         </p:nvSpPr>
         <p:spPr>
           <a:xfrm>
-            <a:off x="556591" y="1452562"/>
-            <a:ext cx="4174435" cy="3970318"/>
+            <a:off x="487327" y="3564835"/>
+            <a:ext cx="2785959" cy="3139321"/>
+          </a:xfrm>
+          <a:prstGeom prst="rect">
+            <a:avLst/>
+          </a:prstGeom>
+          <a:noFill/>
+        </p:spPr>
+        <p:txBody>
+          <a:bodyPr wrap="square" rtlCol="0">
+            <a:spAutoFit/>
+          </a:bodyPr>
+          <a:lstStyle/>
+          <a:p>
+            <a:r>
+              <a:rPr lang="en-US"/>
+              <a:t>Cybersecurity Professionals:Security analysts and IT professionals responsible for detecting and mitigating keylogger threats.Developers and researchers working on improving security technologies and protocols</a:t>
+            </a:r>
+            <a:endParaRPr lang="en-US" dirty="0"/>
+          </a:p>
+        </p:txBody>
+      </p:sp>
+      <p:pic>
+        <p:nvPicPr>
+          <p:cNvPr id="11" name="Picture 10">
+            <a:extLst>
+              <a:ext uri="{FF2B5EF4-FFF2-40B4-BE49-F238E27FC236}">
+                <a16:creationId xmlns:a16="http://schemas.microsoft.com/office/drawing/2014/main" id="{CB21DAEA-10BE-4C94-BA63-1B6ED413B231}"/>
+              </a:ext>
+            </a:extLst>
+          </p:cNvPr>
+          <p:cNvPicPr>
+            <a:picLocks noChangeAspect="1"/>
+          </p:cNvPicPr>
+          <p:nvPr/>
+        </p:nvPicPr>
+        <p:blipFill>
+          <a:blip r:embed="rId3">
+            <a:extLst>
+              <a:ext uri="{28A0092B-C50C-407E-A947-70E740481C1C}">
+                <a14:useLocalDpi xmlns:a14="http://schemas.microsoft.com/office/drawing/2010/main" val="0"/>
+              </a:ext>
+            </a:extLst>
+          </a:blip>
+          <a:stretch>
+            <a:fillRect/>
+          </a:stretch>
+        </p:blipFill>
+        <p:spPr>
+          <a:xfrm>
+            <a:off x="4934471" y="1341989"/>
+            <a:ext cx="3490912" cy="1848264"/>
           </a:xfrm>
           <a:prstGeom prst="rect">
             <a:avLst/>
           </a:prstGeom>
         </p:spPr>
-        <p:txBody>
-          <a:bodyPr wrap="square">
+      </p:pic>
+      <p:sp>
+        <p:nvSpPr>
+          <p:cNvPr id="12" name="TextBox 11">
+            <a:extLst>
+              <a:ext uri="{FF2B5EF4-FFF2-40B4-BE49-F238E27FC236}">
+                <a16:creationId xmlns:a16="http://schemas.microsoft.com/office/drawing/2014/main" id="{CE0DDA76-8AB6-4AE8-8DF6-D4B7D75D3A96}"/>
+              </a:ext>
+            </a:extLst>
+          </p:cNvPr>
+          <p:cNvSpPr txBox="1"/>
+          <p:nvPr/>
+        </p:nvSpPr>
+        <p:spPr>
+          <a:xfrm>
+            <a:off x="5456892" y="3564835"/>
+            <a:ext cx="2785959" cy="2862322"/>
+          </a:xfrm>
+          <a:prstGeom prst="rect">
+            <a:avLst/>
+          </a:prstGeom>
+          <a:noFill/>
+        </p:spPr>
+        <p:txBody>
+          <a:bodyPr wrap="square" rtlCol="0">
             <a:spAutoFit/>
           </a:bodyPr>
           <a:lstStyle/>
           <a:p>
             <a:r>
-              <a:rPr lang="en-US" dirty="0"/>
-              <a:t>Security Monitoring: Detecting unauthorized access or malicious activities by logging keystrokes and identifying unusual patterns .</a:t>
-            </a:r>
-          </a:p>
-          <a:p>
-            <a:r>
-              <a:rPr lang="en-US" dirty="0"/>
-              <a:t> Forensic Analysis: Providing valuable evidence in forensic investigations by recording user actions and communications .</a:t>
-            </a:r>
-          </a:p>
-          <a:p>
-            <a:r>
-              <a:rPr lang="en-US" dirty="0"/>
-              <a:t> Parental Control: Monitoring children's online activities to ensure their safety and well-being .</a:t>
-            </a:r>
-          </a:p>
-          <a:p>
-            <a:r>
-              <a:rPr lang="en-US" dirty="0"/>
-              <a:t> Employee Monitoring: Tracking employee productivity and adherence to company policies.</a:t>
-            </a:r>
+              <a:rPr lang="en-US"/>
+              <a:t>Government Agencies:Law enforcement agencies using keyloggers for investigative purposes.Government entities ensuring cybersecurity across public services and critical infrastructure.</a:t>
+            </a:r>
+            <a:endParaRPr lang="en-US" dirty="0"/>
           </a:p>
         </p:txBody>
       </p:sp>
     </p:spTree>
     <p:extLst>
       <p:ext uri="{BB962C8B-B14F-4D97-AF65-F5344CB8AC3E}">
-        <p14:creationId xmlns:p14="http://schemas.microsoft.com/office/powerpoint/2010/main" val="870509861"/>
+        <p14:creationId xmlns:p14="http://schemas.microsoft.com/office/powerpoint/2010/main" val="2725942363"/>
       </p:ext>
     </p:extLst>
   </p:cSld>
@@ -7367,7 +7919,7 @@
           <p:cNvPr id="2" name="TextBox 1">
             <a:extLst>
               <a:ext uri="{FF2B5EF4-FFF2-40B4-BE49-F238E27FC236}">
-                <a16:creationId xmlns:a16="http://schemas.microsoft.com/office/drawing/2014/main" id="{095C4B6D-6E2E-411F-8134-C186EC0139BD}"/>
+                <a16:creationId xmlns:a16="http://schemas.microsoft.com/office/drawing/2014/main" id="{52C8ED42-D2D6-4356-945A-4504D1BF3561}"/>
               </a:ext>
             </a:extLst>
           </p:cNvPr>
@@ -7376,8 +7928,8 @@
         </p:nvSpPr>
         <p:spPr>
           <a:xfrm>
-            <a:off x="212035" y="344556"/>
-            <a:ext cx="2650435" cy="584775"/>
+            <a:off x="225287" y="490330"/>
+            <a:ext cx="8627165" cy="584775"/>
           </a:xfrm>
           <a:prstGeom prst="rect">
             <a:avLst/>
@@ -7392,7 +7944,7 @@
           <a:p>
             <a:r>
               <a:rPr lang="en-US" sz="3200" dirty="0"/>
-              <a:t>MODELLING</a:t>
+              <a:t>Your solution and its value preposition</a:t>
             </a:r>
           </a:p>
         </p:txBody>
@@ -7402,7 +7954,7 @@
           <p:cNvPr id="3" name="Rectangle 2">
             <a:extLst>
               <a:ext uri="{FF2B5EF4-FFF2-40B4-BE49-F238E27FC236}">
-                <a16:creationId xmlns:a16="http://schemas.microsoft.com/office/drawing/2014/main" id="{3F4239DB-8DD8-434E-8D22-53F6DEB7DB27}"/>
+                <a16:creationId xmlns:a16="http://schemas.microsoft.com/office/drawing/2014/main" id="{FB6DB1EC-AB0B-46D5-977B-E9642A7EF700}"/>
               </a:ext>
             </a:extLst>
           </p:cNvPr>
@@ -7411,8 +7963,8 @@
         </p:nvSpPr>
         <p:spPr>
           <a:xfrm>
-            <a:off x="728869" y="1378878"/>
-            <a:ext cx="7553740" cy="3970318"/>
+            <a:off x="516835" y="1582341"/>
+            <a:ext cx="7103165" cy="3416320"/>
           </a:xfrm>
           <a:prstGeom prst="rect">
             <a:avLst/>
@@ -7426,25 +7978,7 @@
           <a:p>
             <a:r>
               <a:rPr lang="en-US" dirty="0"/>
-              <a:t>Data Capture Model: Keyloggers are modeled to intercept and record keystrokes entered by a user on a keyboard. This involves low-level system interaction to capture input events.</a:t>
-            </a:r>
-          </a:p>
-          <a:p>
-            <a:r>
-              <a:rPr lang="en-US" dirty="0"/>
-              <a:t>Storage and Logging Model: Captured keystrokes are typically stored in a log file or transmitted to a remote server for further analysis. The model includes mechanisms for secure storage and efficient logging of data.</a:t>
-            </a:r>
-          </a:p>
-          <a:p>
-            <a:r>
-              <a:rPr lang="en-US" dirty="0"/>
-              <a:t>Stealth and Persistence Model: Advanced keyloggers are modeled to operate stealthily, ensuring they remain undetected by users or security software. They may also include mechanisms to persist across system reboots.</a:t>
-            </a:r>
-          </a:p>
-          <a:p>
-            <a:r>
-              <a:rPr lang="en-US" dirty="0"/>
-              <a:t>User Interface and Control Model: Some keyloggers provide a user interface for configuration and control, allowing administrators or authorized users to manage logging settings and access recorded data</a:t>
+              <a:t>A keylogger can be valuable for specific purposes such as monitoring computer usage in controlled environments or for cybersecurity purposes in detecting unauthorized access or suspicious activities. However, it's crucial to emphasize that the use of keyloggers must comply with ethical and legal considerations, particularly regarding privacy and consent . Keyloggers can provide insights into user behavior, help in troubleshooting technical issues, and in some cases, assist in forensic investigations. However, their deployment should always prioritize respect for privacy and adhere to applicable laws and regulations. Always ensure that the use of such tools is transparent and lawful in your context.</a:t>
             </a:r>
           </a:p>
         </p:txBody>
@@ -7452,7 +7986,7 @@
     </p:spTree>
     <p:extLst>
       <p:ext uri="{BB962C8B-B14F-4D97-AF65-F5344CB8AC3E}">
-        <p14:creationId xmlns:p14="http://schemas.microsoft.com/office/powerpoint/2010/main" val="3755979935"/>
+        <p14:creationId xmlns:p14="http://schemas.microsoft.com/office/powerpoint/2010/main" val="1597405288"/>
       </p:ext>
     </p:extLst>
   </p:cSld>
